--- a/Prezentacia.pptx
+++ b/Prezentacia.pptx
@@ -6,6 +6,9 @@
   </p:sldMasterIdLst>
   <p:sldIdLst>
     <p:sldId id="256" r:id="rId2"/>
+    <p:sldId id="257" r:id="rId3"/>
+    <p:sldId id="258" r:id="rId4"/>
+    <p:sldId id="259" r:id="rId5"/>
   </p:sldIdLst>
   <p:sldSz cx="12192000" cy="6858000"/>
   <p:notesSz cx="6858000" cy="9144000"/>
@@ -104,6 +107,11 @@
       </a:defRPr>
     </a:lvl9pPr>
   </p:defaultTextStyle>
+  <p:extLst>
+    <p:ext uri="{EFAFB233-063F-42B5-8137-9DF3F51BA10A}">
+      <p15:sldGuideLst xmlns:p15="http://schemas.microsoft.com/office/powerpoint/2012/main"/>
+    </p:ext>
+  </p:extLst>
 </p:presentation>
 </file>
 
@@ -254,7 +262,7 @@
           <a:p>
             <a:fld id="{A4B39C46-6696-42CA-BDD2-66844AF961F5}" type="datetimeFigureOut">
               <a:rPr lang="sk-SK" smtClean="0"/>
-              <a:t>15. 5. 2020</a:t>
+              <a:t>16. 5. 2020</a:t>
             </a:fld>
             <a:endParaRPr lang="sk-SK"/>
           </a:p>
@@ -452,7 +460,7 @@
           <a:p>
             <a:fld id="{A4B39C46-6696-42CA-BDD2-66844AF961F5}" type="datetimeFigureOut">
               <a:rPr lang="sk-SK" smtClean="0"/>
-              <a:t>15. 5. 2020</a:t>
+              <a:t>16. 5. 2020</a:t>
             </a:fld>
             <a:endParaRPr lang="sk-SK"/>
           </a:p>
@@ -660,7 +668,7 @@
           <a:p>
             <a:fld id="{A4B39C46-6696-42CA-BDD2-66844AF961F5}" type="datetimeFigureOut">
               <a:rPr lang="sk-SK" smtClean="0"/>
-              <a:t>15. 5. 2020</a:t>
+              <a:t>16. 5. 2020</a:t>
             </a:fld>
             <a:endParaRPr lang="sk-SK"/>
           </a:p>
@@ -858,7 +866,7 @@
           <a:p>
             <a:fld id="{A4B39C46-6696-42CA-BDD2-66844AF961F5}" type="datetimeFigureOut">
               <a:rPr lang="sk-SK" smtClean="0"/>
-              <a:t>15. 5. 2020</a:t>
+              <a:t>16. 5. 2020</a:t>
             </a:fld>
             <a:endParaRPr lang="sk-SK"/>
           </a:p>
@@ -1133,7 +1141,7 @@
           <a:p>
             <a:fld id="{A4B39C46-6696-42CA-BDD2-66844AF961F5}" type="datetimeFigureOut">
               <a:rPr lang="sk-SK" smtClean="0"/>
-              <a:t>15. 5. 2020</a:t>
+              <a:t>16. 5. 2020</a:t>
             </a:fld>
             <a:endParaRPr lang="sk-SK"/>
           </a:p>
@@ -1398,7 +1406,7 @@
           <a:p>
             <a:fld id="{A4B39C46-6696-42CA-BDD2-66844AF961F5}" type="datetimeFigureOut">
               <a:rPr lang="sk-SK" smtClean="0"/>
-              <a:t>15. 5. 2020</a:t>
+              <a:t>16. 5. 2020</a:t>
             </a:fld>
             <a:endParaRPr lang="sk-SK"/>
           </a:p>
@@ -1810,7 +1818,7 @@
           <a:p>
             <a:fld id="{A4B39C46-6696-42CA-BDD2-66844AF961F5}" type="datetimeFigureOut">
               <a:rPr lang="sk-SK" smtClean="0"/>
-              <a:t>15. 5. 2020</a:t>
+              <a:t>16. 5. 2020</a:t>
             </a:fld>
             <a:endParaRPr lang="sk-SK"/>
           </a:p>
@@ -1951,7 +1959,7 @@
           <a:p>
             <a:fld id="{A4B39C46-6696-42CA-BDD2-66844AF961F5}" type="datetimeFigureOut">
               <a:rPr lang="sk-SK" smtClean="0"/>
-              <a:t>15. 5. 2020</a:t>
+              <a:t>16. 5. 2020</a:t>
             </a:fld>
             <a:endParaRPr lang="sk-SK"/>
           </a:p>
@@ -2064,7 +2072,7 @@
           <a:p>
             <a:fld id="{A4B39C46-6696-42CA-BDD2-66844AF961F5}" type="datetimeFigureOut">
               <a:rPr lang="sk-SK" smtClean="0"/>
-              <a:t>15. 5. 2020</a:t>
+              <a:t>16. 5. 2020</a:t>
             </a:fld>
             <a:endParaRPr lang="sk-SK"/>
           </a:p>
@@ -2375,7 +2383,7 @@
           <a:p>
             <a:fld id="{A4B39C46-6696-42CA-BDD2-66844AF961F5}" type="datetimeFigureOut">
               <a:rPr lang="sk-SK" smtClean="0"/>
-              <a:t>15. 5. 2020</a:t>
+              <a:t>16. 5. 2020</a:t>
             </a:fld>
             <a:endParaRPr lang="sk-SK"/>
           </a:p>
@@ -2663,7 +2671,7 @@
           <a:p>
             <a:fld id="{A4B39C46-6696-42CA-BDD2-66844AF961F5}" type="datetimeFigureOut">
               <a:rPr lang="sk-SK" smtClean="0"/>
-              <a:t>15. 5. 2020</a:t>
+              <a:t>16. 5. 2020</a:t>
             </a:fld>
             <a:endParaRPr lang="sk-SK"/>
           </a:p>
@@ -2904,7 +2912,7 @@
           <a:p>
             <a:fld id="{A4B39C46-6696-42CA-BDD2-66844AF961F5}" type="datetimeFigureOut">
               <a:rPr lang="sk-SK" smtClean="0"/>
-              <a:t>15. 5. 2020</a:t>
+              <a:t>16. 5. 2020</a:t>
             </a:fld>
             <a:endParaRPr lang="sk-SK"/>
           </a:p>
@@ -3339,10 +3347,39 @@
         </p:nvSpPr>
         <p:spPr/>
         <p:txBody>
-          <a:bodyPr/>
-          <a:lstStyle/>
-          <a:p>
-            <a:endParaRPr lang="sk-SK"/>
+          <a:bodyPr>
+            <a:normAutofit fontScale="90000"/>
+          </a:bodyPr>
+          <a:lstStyle/>
+          <a:p>
+            <a:r>
+              <a:rPr lang="sk-SK" dirty="0"/>
+              <a:t>Genetický algoritmus pro </a:t>
+            </a:r>
+            <a:r>
+              <a:rPr lang="sk-SK" dirty="0" err="1"/>
+              <a:t>řešení</a:t>
+            </a:r>
+            <a:r>
+              <a:rPr lang="sk-SK" dirty="0"/>
+              <a:t> problému </a:t>
+            </a:r>
+            <a:r>
+              <a:rPr lang="sk-SK" dirty="0" err="1"/>
+              <a:t>obchodního</a:t>
+            </a:r>
+            <a:r>
+              <a:rPr lang="sk-SK" dirty="0"/>
+              <a:t> </a:t>
+            </a:r>
+            <a:r>
+              <a:rPr lang="sk-SK" dirty="0" err="1"/>
+              <a:t>cestujícího</a:t>
+            </a:r>
+            <a:r>
+              <a:rPr lang="sk-SK" dirty="0"/>
+              <a:t> </a:t>
+            </a:r>
           </a:p>
         </p:txBody>
       </p:sp>
@@ -3367,7 +3404,37 @@
           <a:bodyPr/>
           <a:lstStyle/>
           <a:p>
-            <a:endParaRPr lang="sk-SK"/>
+            <a:endParaRPr lang="sk-SK" dirty="0"/>
+          </a:p>
+          <a:p>
+            <a:r>
+              <a:rPr lang="sk-SK" dirty="0"/>
+              <a:t>Dávid </a:t>
+            </a:r>
+            <a:r>
+              <a:rPr lang="sk-SK" dirty="0" err="1"/>
+              <a:t>Krajčo</a:t>
+            </a:r>
+            <a:r>
+              <a:rPr lang="sk-SK" dirty="0"/>
+              <a:t>, </a:t>
+            </a:r>
+            <a:r>
+              <a:rPr lang="sk-SK" dirty="0" err="1"/>
+              <a:t>Kryštof</a:t>
+            </a:r>
+            <a:r>
+              <a:rPr lang="sk-SK" dirty="0"/>
+              <a:t> </a:t>
+            </a:r>
+            <a:r>
+              <a:rPr lang="sk-SK" dirty="0" err="1"/>
+              <a:t>Kopečný</a:t>
+            </a:r>
+            <a:r>
+              <a:rPr lang="sk-SK" dirty="0"/>
+              <a:t>, Jan Krmela</a:t>
+            </a:r>
           </a:p>
         </p:txBody>
       </p:sp>
@@ -3375,6 +3442,345 @@
     <p:extLst>
       <p:ext uri="{BB962C8B-B14F-4D97-AF65-F5344CB8AC3E}">
         <p14:creationId xmlns:p14="http://schemas.microsoft.com/office/powerpoint/2010/main" val="3979048302"/>
+      </p:ext>
+    </p:extLst>
+  </p:cSld>
+  <p:clrMapOvr>
+    <a:masterClrMapping/>
+  </p:clrMapOvr>
+</p:sld>
+</file>
+
+<file path=ppt/slides/slide2.xml><?xml version="1.0" encoding="utf-8"?>
+<p:sld xmlns:a="http://schemas.openxmlformats.org/drawingml/2006/main" xmlns:r="http://schemas.openxmlformats.org/officeDocument/2006/relationships" xmlns:p="http://schemas.openxmlformats.org/presentationml/2006/main">
+  <p:cSld>
+    <p:spTree>
+      <p:nvGrpSpPr>
+        <p:cNvPr id="1" name=""/>
+        <p:cNvGrpSpPr/>
+        <p:nvPr/>
+      </p:nvGrpSpPr>
+      <p:grpSpPr>
+        <a:xfrm>
+          <a:off x="0" y="0"/>
+          <a:ext cx="0" cy="0"/>
+          <a:chOff x="0" y="0"/>
+          <a:chExt cx="0" cy="0"/>
+        </a:xfrm>
+      </p:grpSpPr>
+      <p:sp>
+        <p:nvSpPr>
+          <p:cNvPr id="2" name="Nadpis 1">
+            <a:extLst>
+              <a:ext uri="{FF2B5EF4-FFF2-40B4-BE49-F238E27FC236}">
+                <a16:creationId xmlns:a16="http://schemas.microsoft.com/office/drawing/2014/main" id="{CF20B677-43A8-438D-8345-81661D5C5D22}"/>
+              </a:ext>
+            </a:extLst>
+          </p:cNvPr>
+          <p:cNvSpPr>
+            <a:spLocks noGrp="1"/>
+          </p:cNvSpPr>
+          <p:nvPr>
+            <p:ph type="title"/>
+          </p:nvPr>
+        </p:nvSpPr>
+        <p:spPr/>
+        <p:txBody>
+          <a:bodyPr/>
+          <a:lstStyle/>
+          <a:p>
+            <a:endParaRPr lang="cz-CZ" dirty="0"/>
+          </a:p>
+        </p:txBody>
+      </p:sp>
+      <p:pic>
+        <p:nvPicPr>
+          <p:cNvPr id="4" name="Zástupný obsah 3">
+            <a:extLst>
+              <a:ext uri="{FF2B5EF4-FFF2-40B4-BE49-F238E27FC236}">
+                <a16:creationId xmlns:a16="http://schemas.microsoft.com/office/drawing/2014/main" id="{9C3CA7F8-0306-4006-AA3D-F3F483111E88}"/>
+              </a:ext>
+            </a:extLst>
+          </p:cNvPr>
+          <p:cNvPicPr>
+            <a:picLocks noGrp="1" noChangeAspect="1"/>
+          </p:cNvPicPr>
+          <p:nvPr>
+            <p:ph idx="1"/>
+          </p:nvPr>
+        </p:nvPicPr>
+        <p:blipFill>
+          <a:blip r:embed="rId2"/>
+          <a:stretch>
+            <a:fillRect/>
+          </a:stretch>
+        </p:blipFill>
+        <p:spPr>
+          <a:xfrm>
+            <a:off x="2719516" y="-11435"/>
+            <a:ext cx="6461430" cy="6869435"/>
+          </a:xfrm>
+          <a:prstGeom prst="rect">
+            <a:avLst/>
+          </a:prstGeom>
+        </p:spPr>
+      </p:pic>
+    </p:spTree>
+    <p:extLst>
+      <p:ext uri="{BB962C8B-B14F-4D97-AF65-F5344CB8AC3E}">
+        <p14:creationId xmlns:p14="http://schemas.microsoft.com/office/powerpoint/2010/main" val="4049079503"/>
+      </p:ext>
+    </p:extLst>
+  </p:cSld>
+  <p:clrMapOvr>
+    <a:masterClrMapping/>
+  </p:clrMapOvr>
+</p:sld>
+</file>
+
+<file path=ppt/slides/slide3.xml><?xml version="1.0" encoding="utf-8"?>
+<p:sld xmlns:a="http://schemas.openxmlformats.org/drawingml/2006/main" xmlns:r="http://schemas.openxmlformats.org/officeDocument/2006/relationships" xmlns:p="http://schemas.openxmlformats.org/presentationml/2006/main">
+  <p:cSld>
+    <p:spTree>
+      <p:nvGrpSpPr>
+        <p:cNvPr id="1" name=""/>
+        <p:cNvGrpSpPr/>
+        <p:nvPr/>
+      </p:nvGrpSpPr>
+      <p:grpSpPr>
+        <a:xfrm>
+          <a:off x="0" y="0"/>
+          <a:ext cx="0" cy="0"/>
+          <a:chOff x="0" y="0"/>
+          <a:chExt cx="0" cy="0"/>
+        </a:xfrm>
+      </p:grpSpPr>
+      <p:sp>
+        <p:nvSpPr>
+          <p:cNvPr id="2" name="Nadpis 1">
+            <a:extLst>
+              <a:ext uri="{FF2B5EF4-FFF2-40B4-BE49-F238E27FC236}">
+                <a16:creationId xmlns:a16="http://schemas.microsoft.com/office/drawing/2014/main" id="{DDAC2EED-5A1B-4A33-AE3A-2A8A38BC23A0}"/>
+              </a:ext>
+            </a:extLst>
+          </p:cNvPr>
+          <p:cNvSpPr>
+            <a:spLocks noGrp="1"/>
+          </p:cNvSpPr>
+          <p:nvPr>
+            <p:ph type="title"/>
+          </p:nvPr>
+        </p:nvSpPr>
+        <p:spPr/>
+        <p:txBody>
+          <a:bodyPr/>
+          <a:lstStyle/>
+          <a:p>
+            <a:endParaRPr lang="cz-CZ"/>
+          </a:p>
+        </p:txBody>
+      </p:sp>
+      <p:pic>
+        <p:nvPicPr>
+          <p:cNvPr id="5" name="Zástupný obsah 4" descr="Obsah obrázku snímek obrazovky&#10;&#10;Popis byl vytvořen automaticky">
+            <a:extLst>
+              <a:ext uri="{FF2B5EF4-FFF2-40B4-BE49-F238E27FC236}">
+                <a16:creationId xmlns:a16="http://schemas.microsoft.com/office/drawing/2014/main" id="{6515F5F3-401A-47CB-92AB-6B92F34B545E}"/>
+              </a:ext>
+            </a:extLst>
+          </p:cNvPr>
+          <p:cNvPicPr>
+            <a:picLocks noGrp="1" noChangeAspect="1"/>
+          </p:cNvPicPr>
+          <p:nvPr>
+            <p:ph idx="1"/>
+          </p:nvPr>
+        </p:nvPicPr>
+        <p:blipFill>
+          <a:blip r:embed="rId2">
+            <a:extLst>
+              <a:ext uri="{28A0092B-C50C-407E-A947-70E740481C1C}">
+                <a14:useLocalDpi xmlns:a14="http://schemas.microsoft.com/office/drawing/2010/main" val="0"/>
+              </a:ext>
+            </a:extLst>
+          </a:blip>
+          <a:stretch>
+            <a:fillRect/>
+          </a:stretch>
+        </p:blipFill>
+        <p:spPr>
+          <a:xfrm>
+            <a:off x="19027" y="448253"/>
+            <a:ext cx="6076973" cy="4724111"/>
+          </a:xfrm>
+        </p:spPr>
+      </p:pic>
+      <p:pic>
+        <p:nvPicPr>
+          <p:cNvPr id="7" name="Obrázek 6" descr="Obsah obrázku snímek obrazovky&#10;&#10;Popis byl vytvořen automaticky">
+            <a:extLst>
+              <a:ext uri="{FF2B5EF4-FFF2-40B4-BE49-F238E27FC236}">
+                <a16:creationId xmlns:a16="http://schemas.microsoft.com/office/drawing/2014/main" id="{A4854982-B08C-4057-901E-7968BFEE2EB4}"/>
+              </a:ext>
+            </a:extLst>
+          </p:cNvPr>
+          <p:cNvPicPr>
+            <a:picLocks noChangeAspect="1"/>
+          </p:cNvPicPr>
+          <p:nvPr/>
+        </p:nvPicPr>
+        <p:blipFill>
+          <a:blip r:embed="rId3">
+            <a:extLst>
+              <a:ext uri="{28A0092B-C50C-407E-A947-70E740481C1C}">
+                <a14:useLocalDpi xmlns:a14="http://schemas.microsoft.com/office/drawing/2010/main" val="0"/>
+              </a:ext>
+            </a:extLst>
+          </a:blip>
+          <a:stretch>
+            <a:fillRect/>
+          </a:stretch>
+        </p:blipFill>
+        <p:spPr>
+          <a:xfrm>
+            <a:off x="6096000" y="496744"/>
+            <a:ext cx="5620534" cy="5201376"/>
+          </a:xfrm>
+          <a:prstGeom prst="rect">
+            <a:avLst/>
+          </a:prstGeom>
+        </p:spPr>
+      </p:pic>
+    </p:spTree>
+    <p:extLst>
+      <p:ext uri="{BB962C8B-B14F-4D97-AF65-F5344CB8AC3E}">
+        <p14:creationId xmlns:p14="http://schemas.microsoft.com/office/powerpoint/2010/main" val="3415245655"/>
+      </p:ext>
+    </p:extLst>
+  </p:cSld>
+  <p:clrMapOvr>
+    <a:masterClrMapping/>
+  </p:clrMapOvr>
+</p:sld>
+</file>
+
+<file path=ppt/slides/slide4.xml><?xml version="1.0" encoding="utf-8"?>
+<p:sld xmlns:a="http://schemas.openxmlformats.org/drawingml/2006/main" xmlns:r="http://schemas.openxmlformats.org/officeDocument/2006/relationships" xmlns:p="http://schemas.openxmlformats.org/presentationml/2006/main">
+  <p:cSld>
+    <p:spTree>
+      <p:nvGrpSpPr>
+        <p:cNvPr id="1" name=""/>
+        <p:cNvGrpSpPr/>
+        <p:nvPr/>
+      </p:nvGrpSpPr>
+      <p:grpSpPr>
+        <a:xfrm>
+          <a:off x="0" y="0"/>
+          <a:ext cx="0" cy="0"/>
+          <a:chOff x="0" y="0"/>
+          <a:chExt cx="0" cy="0"/>
+        </a:xfrm>
+      </p:grpSpPr>
+      <p:sp>
+        <p:nvSpPr>
+          <p:cNvPr id="2" name="Nadpis 1">
+            <a:extLst>
+              <a:ext uri="{FF2B5EF4-FFF2-40B4-BE49-F238E27FC236}">
+                <a16:creationId xmlns:a16="http://schemas.microsoft.com/office/drawing/2014/main" id="{62E2E6DB-5453-4EC6-99E7-3B276F8286C7}"/>
+              </a:ext>
+            </a:extLst>
+          </p:cNvPr>
+          <p:cNvSpPr>
+            <a:spLocks noGrp="1"/>
+          </p:cNvSpPr>
+          <p:nvPr>
+            <p:ph type="title"/>
+          </p:nvPr>
+        </p:nvSpPr>
+        <p:spPr/>
+        <p:txBody>
+          <a:bodyPr/>
+          <a:lstStyle/>
+          <a:p>
+            <a:endParaRPr lang="cz-CZ"/>
+          </a:p>
+        </p:txBody>
+      </p:sp>
+      <p:pic>
+        <p:nvPicPr>
+          <p:cNvPr id="5" name="Zástupný obsah 4" descr="Obsah obrázku snímek obrazovky, pták&#10;&#10;Popis byl vytvořen automaticky">
+            <a:extLst>
+              <a:ext uri="{FF2B5EF4-FFF2-40B4-BE49-F238E27FC236}">
+                <a16:creationId xmlns:a16="http://schemas.microsoft.com/office/drawing/2014/main" id="{6276D65B-8ED2-4A28-A3EC-0C067EEDBD79}"/>
+              </a:ext>
+            </a:extLst>
+          </p:cNvPr>
+          <p:cNvPicPr>
+            <a:picLocks noGrp="1" noChangeAspect="1"/>
+          </p:cNvPicPr>
+          <p:nvPr>
+            <p:ph idx="1"/>
+          </p:nvPr>
+        </p:nvPicPr>
+        <p:blipFill>
+          <a:blip r:embed="rId2">
+            <a:extLst>
+              <a:ext uri="{28A0092B-C50C-407E-A947-70E740481C1C}">
+                <a14:useLocalDpi xmlns:a14="http://schemas.microsoft.com/office/drawing/2010/main" val="0"/>
+              </a:ext>
+            </a:extLst>
+          </a:blip>
+          <a:stretch>
+            <a:fillRect/>
+          </a:stretch>
+        </p:blipFill>
+        <p:spPr>
+          <a:xfrm>
+            <a:off x="0" y="1479283"/>
+            <a:ext cx="4805337" cy="2824863"/>
+          </a:xfrm>
+        </p:spPr>
+      </p:pic>
+      <p:pic>
+        <p:nvPicPr>
+          <p:cNvPr id="7" name="Obrázek 6" descr="Obsah obrázku snímek obrazovky&#10;&#10;Popis byl vytvořen automaticky">
+            <a:extLst>
+              <a:ext uri="{FF2B5EF4-FFF2-40B4-BE49-F238E27FC236}">
+                <a16:creationId xmlns:a16="http://schemas.microsoft.com/office/drawing/2014/main" id="{0BED663F-4316-4C7B-BD25-682164C814AE}"/>
+              </a:ext>
+            </a:extLst>
+          </p:cNvPr>
+          <p:cNvPicPr>
+            <a:picLocks noChangeAspect="1"/>
+          </p:cNvPicPr>
+          <p:nvPr/>
+        </p:nvPicPr>
+        <p:blipFill>
+          <a:blip r:embed="rId3">
+            <a:extLst>
+              <a:ext uri="{28A0092B-C50C-407E-A947-70E740481C1C}">
+                <a14:useLocalDpi xmlns:a14="http://schemas.microsoft.com/office/drawing/2010/main" val="0"/>
+              </a:ext>
+            </a:extLst>
+          </a:blip>
+          <a:stretch>
+            <a:fillRect/>
+          </a:stretch>
+        </p:blipFill>
+        <p:spPr>
+          <a:xfrm>
+            <a:off x="4805336" y="0"/>
+            <a:ext cx="7386663" cy="6562532"/>
+          </a:xfrm>
+          <a:prstGeom prst="rect">
+            <a:avLst/>
+          </a:prstGeom>
+        </p:spPr>
+      </p:pic>
+    </p:spTree>
+    <p:extLst>
+      <p:ext uri="{BB962C8B-B14F-4D97-AF65-F5344CB8AC3E}">
+        <p14:creationId xmlns:p14="http://schemas.microsoft.com/office/powerpoint/2010/main" val="3300401682"/>
       </p:ext>
     </p:extLst>
   </p:cSld>

--- a/Prezentacia.pptx
+++ b/Prezentacia.pptx
@@ -8,7 +8,9 @@
     <p:sldId id="256" r:id="rId2"/>
     <p:sldId id="257" r:id="rId3"/>
     <p:sldId id="258" r:id="rId4"/>
-    <p:sldId id="259" r:id="rId5"/>
+    <p:sldId id="260" r:id="rId5"/>
+    <p:sldId id="261" r:id="rId6"/>
+    <p:sldId id="259" r:id="rId7"/>
   </p:sldIdLst>
   <p:sldSz cx="12192000" cy="6858000"/>
   <p:notesSz cx="6858000" cy="9144000"/>
@@ -262,7 +264,7 @@
           <a:p>
             <a:fld id="{A4B39C46-6696-42CA-BDD2-66844AF961F5}" type="datetimeFigureOut">
               <a:rPr lang="sk-SK" smtClean="0"/>
-              <a:t>16. 5. 2020</a:t>
+              <a:t>16.5.20</a:t>
             </a:fld>
             <a:endParaRPr lang="sk-SK"/>
           </a:p>
@@ -460,7 +462,7 @@
           <a:p>
             <a:fld id="{A4B39C46-6696-42CA-BDD2-66844AF961F5}" type="datetimeFigureOut">
               <a:rPr lang="sk-SK" smtClean="0"/>
-              <a:t>16. 5. 2020</a:t>
+              <a:t>16.5.20</a:t>
             </a:fld>
             <a:endParaRPr lang="sk-SK"/>
           </a:p>
@@ -668,7 +670,7 @@
           <a:p>
             <a:fld id="{A4B39C46-6696-42CA-BDD2-66844AF961F5}" type="datetimeFigureOut">
               <a:rPr lang="sk-SK" smtClean="0"/>
-              <a:t>16. 5. 2020</a:t>
+              <a:t>16.5.20</a:t>
             </a:fld>
             <a:endParaRPr lang="sk-SK"/>
           </a:p>
@@ -866,7 +868,7 @@
           <a:p>
             <a:fld id="{A4B39C46-6696-42CA-BDD2-66844AF961F5}" type="datetimeFigureOut">
               <a:rPr lang="sk-SK" smtClean="0"/>
-              <a:t>16. 5. 2020</a:t>
+              <a:t>16.5.20</a:t>
             </a:fld>
             <a:endParaRPr lang="sk-SK"/>
           </a:p>
@@ -1141,7 +1143,7 @@
           <a:p>
             <a:fld id="{A4B39C46-6696-42CA-BDD2-66844AF961F5}" type="datetimeFigureOut">
               <a:rPr lang="sk-SK" smtClean="0"/>
-              <a:t>16. 5. 2020</a:t>
+              <a:t>16.5.20</a:t>
             </a:fld>
             <a:endParaRPr lang="sk-SK"/>
           </a:p>
@@ -1406,7 +1408,7 @@
           <a:p>
             <a:fld id="{A4B39C46-6696-42CA-BDD2-66844AF961F5}" type="datetimeFigureOut">
               <a:rPr lang="sk-SK" smtClean="0"/>
-              <a:t>16. 5. 2020</a:t>
+              <a:t>16.5.20</a:t>
             </a:fld>
             <a:endParaRPr lang="sk-SK"/>
           </a:p>
@@ -1818,7 +1820,7 @@
           <a:p>
             <a:fld id="{A4B39C46-6696-42CA-BDD2-66844AF961F5}" type="datetimeFigureOut">
               <a:rPr lang="sk-SK" smtClean="0"/>
-              <a:t>16. 5. 2020</a:t>
+              <a:t>16.5.20</a:t>
             </a:fld>
             <a:endParaRPr lang="sk-SK"/>
           </a:p>
@@ -1959,7 +1961,7 @@
           <a:p>
             <a:fld id="{A4B39C46-6696-42CA-BDD2-66844AF961F5}" type="datetimeFigureOut">
               <a:rPr lang="sk-SK" smtClean="0"/>
-              <a:t>16. 5. 2020</a:t>
+              <a:t>16.5.20</a:t>
             </a:fld>
             <a:endParaRPr lang="sk-SK"/>
           </a:p>
@@ -2072,7 +2074,7 @@
           <a:p>
             <a:fld id="{A4B39C46-6696-42CA-BDD2-66844AF961F5}" type="datetimeFigureOut">
               <a:rPr lang="sk-SK" smtClean="0"/>
-              <a:t>16. 5. 2020</a:t>
+              <a:t>16.5.20</a:t>
             </a:fld>
             <a:endParaRPr lang="sk-SK"/>
           </a:p>
@@ -2383,7 +2385,7 @@
           <a:p>
             <a:fld id="{A4B39C46-6696-42CA-BDD2-66844AF961F5}" type="datetimeFigureOut">
               <a:rPr lang="sk-SK" smtClean="0"/>
-              <a:t>16. 5. 2020</a:t>
+              <a:t>16.5.20</a:t>
             </a:fld>
             <a:endParaRPr lang="sk-SK"/>
           </a:p>
@@ -2671,7 +2673,7 @@
           <a:p>
             <a:fld id="{A4B39C46-6696-42CA-BDD2-66844AF961F5}" type="datetimeFigureOut">
               <a:rPr lang="sk-SK" smtClean="0"/>
-              <a:t>16. 5. 2020</a:t>
+              <a:t>16.5.20</a:t>
             </a:fld>
             <a:endParaRPr lang="sk-SK"/>
           </a:p>
@@ -2912,7 +2914,7 @@
           <a:p>
             <a:fld id="{A4B39C46-6696-42CA-BDD2-66844AF961F5}" type="datetimeFigureOut">
               <a:rPr lang="sk-SK" smtClean="0"/>
-              <a:t>16. 5. 2020</a:t>
+              <a:t>16.5.20</a:t>
             </a:fld>
             <a:endParaRPr lang="sk-SK"/>
           </a:p>
@@ -3686,7 +3688,7 @@
           <p:cNvPr id="2" name="Nadpis 1">
             <a:extLst>
               <a:ext uri="{FF2B5EF4-FFF2-40B4-BE49-F238E27FC236}">
-                <a16:creationId xmlns:a16="http://schemas.microsoft.com/office/drawing/2014/main" id="{62E2E6DB-5453-4EC6-99E7-3B276F8286C7}"/>
+                <a16:creationId xmlns:a16="http://schemas.microsoft.com/office/drawing/2014/main" id="{521FF3A1-C145-8C4B-8855-57B7976CB39D}"/>
               </a:ext>
             </a:extLst>
           </p:cNvPr>
@@ -3702,16 +3704,32 @@
           <a:bodyPr/>
           <a:lstStyle/>
           <a:p>
-            <a:endParaRPr lang="cz-CZ"/>
+            <a:r>
+              <a:rPr lang="cs-CZ" dirty="0"/>
+              <a:t>Funkce </a:t>
+            </a:r>
+            <a:r>
+              <a:rPr lang="cs-CZ" dirty="0" err="1"/>
+              <a:t>selection_final</a:t>
+            </a:r>
+            <a:r>
+              <a:rPr lang="cs-CZ" dirty="0"/>
+              <a:t>, </a:t>
+            </a:r>
+            <a:r>
+              <a:rPr lang="cs-CZ" dirty="0" err="1"/>
+              <a:t>hybridization</a:t>
+            </a:r>
+            <a:endParaRPr lang="cs-CZ" dirty="0"/>
           </a:p>
         </p:txBody>
       </p:sp>
       <p:pic>
         <p:nvPicPr>
-          <p:cNvPr id="5" name="Zástupný obsah 4" descr="Obsah obrázku snímek obrazovky, pták&#10;&#10;Popis byl vytvořen automaticky">
-            <a:extLst>
-              <a:ext uri="{FF2B5EF4-FFF2-40B4-BE49-F238E27FC236}">
-                <a16:creationId xmlns:a16="http://schemas.microsoft.com/office/drawing/2014/main" id="{6276D65B-8ED2-4A28-A3EC-0C067EEDBD79}"/>
+          <p:cNvPr id="5" name="Zástupný obsah 4" descr="Obsah obrázku snímek obrazovky&#10;&#10;Popis byl vytvořen automaticky">
+            <a:extLst>
+              <a:ext uri="{FF2B5EF4-FFF2-40B4-BE49-F238E27FC236}">
+                <a16:creationId xmlns:a16="http://schemas.microsoft.com/office/drawing/2014/main" id="{9A67C06F-B48F-4548-9CEA-7A0FF66BE536}"/>
               </a:ext>
             </a:extLst>
           </p:cNvPr>
@@ -3736,7 +3754,231 @@
         </p:blipFill>
         <p:spPr>
           <a:xfrm>
-            <a:off x="0" y="1479283"/>
+            <a:off x="1" y="2015043"/>
+            <a:ext cx="5451926" cy="3654238"/>
+          </a:xfrm>
+        </p:spPr>
+      </p:pic>
+      <p:pic>
+        <p:nvPicPr>
+          <p:cNvPr id="7" name="Obrázek 6" descr="Obsah obrázku snímek obrazovky&#10;&#10;Popis byl vytvořen automaticky">
+            <a:extLst>
+              <a:ext uri="{FF2B5EF4-FFF2-40B4-BE49-F238E27FC236}">
+                <a16:creationId xmlns:a16="http://schemas.microsoft.com/office/drawing/2014/main" id="{6002F4DE-7801-2546-B6E2-E0DEE37C53BF}"/>
+              </a:ext>
+            </a:extLst>
+          </p:cNvPr>
+          <p:cNvPicPr>
+            <a:picLocks noChangeAspect="1"/>
+          </p:cNvPicPr>
+          <p:nvPr/>
+        </p:nvPicPr>
+        <p:blipFill>
+          <a:blip r:embed="rId3">
+            <a:extLst>
+              <a:ext uri="{28A0092B-C50C-407E-A947-70E740481C1C}">
+                <a14:useLocalDpi xmlns:a14="http://schemas.microsoft.com/office/drawing/2010/main" val="0"/>
+              </a:ext>
+            </a:extLst>
+          </a:blip>
+          <a:stretch>
+            <a:fillRect/>
+          </a:stretch>
+        </p:blipFill>
+        <p:spPr>
+          <a:xfrm>
+            <a:off x="6096000" y="1690688"/>
+            <a:ext cx="5451926" cy="5014180"/>
+          </a:xfrm>
+          <a:prstGeom prst="rect">
+            <a:avLst/>
+          </a:prstGeom>
+        </p:spPr>
+      </p:pic>
+    </p:spTree>
+    <p:extLst>
+      <p:ext uri="{BB962C8B-B14F-4D97-AF65-F5344CB8AC3E}">
+        <p14:creationId xmlns:p14="http://schemas.microsoft.com/office/powerpoint/2010/main" val="3828920689"/>
+      </p:ext>
+    </p:extLst>
+  </p:cSld>
+  <p:clrMapOvr>
+    <a:masterClrMapping/>
+  </p:clrMapOvr>
+</p:sld>
+</file>
+
+<file path=ppt/slides/slide5.xml><?xml version="1.0" encoding="utf-8"?>
+<p:sld xmlns:a="http://schemas.openxmlformats.org/drawingml/2006/main" xmlns:r="http://schemas.openxmlformats.org/officeDocument/2006/relationships" xmlns:p="http://schemas.openxmlformats.org/presentationml/2006/main">
+  <p:cSld>
+    <p:spTree>
+      <p:nvGrpSpPr>
+        <p:cNvPr id="1" name=""/>
+        <p:cNvGrpSpPr/>
+        <p:nvPr/>
+      </p:nvGrpSpPr>
+      <p:grpSpPr>
+        <a:xfrm>
+          <a:off x="0" y="0"/>
+          <a:ext cx="0" cy="0"/>
+          <a:chOff x="0" y="0"/>
+          <a:chExt cx="0" cy="0"/>
+        </a:xfrm>
+      </p:grpSpPr>
+      <p:sp>
+        <p:nvSpPr>
+          <p:cNvPr id="2" name="Nadpis 1">
+            <a:extLst>
+              <a:ext uri="{FF2B5EF4-FFF2-40B4-BE49-F238E27FC236}">
+                <a16:creationId xmlns:a16="http://schemas.microsoft.com/office/drawing/2014/main" id="{F7FBBE27-1212-384D-8F9D-79607F234345}"/>
+              </a:ext>
+            </a:extLst>
+          </p:cNvPr>
+          <p:cNvSpPr>
+            <a:spLocks noGrp="1"/>
+          </p:cNvSpPr>
+          <p:nvPr>
+            <p:ph type="title"/>
+          </p:nvPr>
+        </p:nvSpPr>
+        <p:spPr/>
+        <p:txBody>
+          <a:bodyPr/>
+          <a:lstStyle/>
+          <a:p>
+            <a:r>
+              <a:rPr lang="cs-CZ" dirty="0"/>
+              <a:t>Funkce </a:t>
+            </a:r>
+            <a:r>
+              <a:rPr lang="cs-CZ" dirty="0" err="1"/>
+              <a:t>average_value</a:t>
+            </a:r>
+            <a:endParaRPr lang="cs-CZ" dirty="0"/>
+          </a:p>
+        </p:txBody>
+      </p:sp>
+      <p:pic>
+        <p:nvPicPr>
+          <p:cNvPr id="5" name="Zástupný obsah 4" descr="Obsah obrázku snímek obrazovky&#10;&#10;Popis byl vytvořen automaticky">
+            <a:extLst>
+              <a:ext uri="{FF2B5EF4-FFF2-40B4-BE49-F238E27FC236}">
+                <a16:creationId xmlns:a16="http://schemas.microsoft.com/office/drawing/2014/main" id="{F014E258-97DD-184F-B3EB-A690E7E68594}"/>
+              </a:ext>
+            </a:extLst>
+          </p:cNvPr>
+          <p:cNvPicPr>
+            <a:picLocks noGrp="1" noChangeAspect="1"/>
+          </p:cNvPicPr>
+          <p:nvPr>
+            <p:ph idx="1"/>
+          </p:nvPr>
+        </p:nvPicPr>
+        <p:blipFill>
+          <a:blip r:embed="rId2">
+            <a:extLst>
+              <a:ext uri="{28A0092B-C50C-407E-A947-70E740481C1C}">
+                <a14:useLocalDpi xmlns:a14="http://schemas.microsoft.com/office/drawing/2010/main" val="0"/>
+              </a:ext>
+            </a:extLst>
+          </a:blip>
+          <a:stretch>
+            <a:fillRect/>
+          </a:stretch>
+        </p:blipFill>
+        <p:spPr>
+          <a:xfrm>
+            <a:off x="714577" y="1690688"/>
+            <a:ext cx="5381423" cy="2426201"/>
+          </a:xfrm>
+        </p:spPr>
+      </p:pic>
+    </p:spTree>
+    <p:extLst>
+      <p:ext uri="{BB962C8B-B14F-4D97-AF65-F5344CB8AC3E}">
+        <p14:creationId xmlns:p14="http://schemas.microsoft.com/office/powerpoint/2010/main" val="679176520"/>
+      </p:ext>
+    </p:extLst>
+  </p:cSld>
+  <p:clrMapOvr>
+    <a:masterClrMapping/>
+  </p:clrMapOvr>
+</p:sld>
+</file>
+
+<file path=ppt/slides/slide6.xml><?xml version="1.0" encoding="utf-8"?>
+<p:sld xmlns:a="http://schemas.openxmlformats.org/drawingml/2006/main" xmlns:r="http://schemas.openxmlformats.org/officeDocument/2006/relationships" xmlns:p="http://schemas.openxmlformats.org/presentationml/2006/main">
+  <p:cSld>
+    <p:spTree>
+      <p:nvGrpSpPr>
+        <p:cNvPr id="1" name=""/>
+        <p:cNvGrpSpPr/>
+        <p:nvPr/>
+      </p:nvGrpSpPr>
+      <p:grpSpPr>
+        <a:xfrm>
+          <a:off x="0" y="0"/>
+          <a:ext cx="0" cy="0"/>
+          <a:chOff x="0" y="0"/>
+          <a:chExt cx="0" cy="0"/>
+        </a:xfrm>
+      </p:grpSpPr>
+      <p:sp>
+        <p:nvSpPr>
+          <p:cNvPr id="2" name="Nadpis 1">
+            <a:extLst>
+              <a:ext uri="{FF2B5EF4-FFF2-40B4-BE49-F238E27FC236}">
+                <a16:creationId xmlns:a16="http://schemas.microsoft.com/office/drawing/2014/main" id="{62E2E6DB-5453-4EC6-99E7-3B276F8286C7}"/>
+              </a:ext>
+            </a:extLst>
+          </p:cNvPr>
+          <p:cNvSpPr>
+            <a:spLocks noGrp="1"/>
+          </p:cNvSpPr>
+          <p:nvPr>
+            <p:ph type="title"/>
+          </p:nvPr>
+        </p:nvSpPr>
+        <p:spPr/>
+        <p:txBody>
+          <a:bodyPr/>
+          <a:lstStyle/>
+          <a:p>
+            <a:endParaRPr lang="cz-CZ"/>
+          </a:p>
+        </p:txBody>
+      </p:sp>
+      <p:pic>
+        <p:nvPicPr>
+          <p:cNvPr id="5" name="Zástupný obsah 4" descr="Obsah obrázku snímek obrazovky, pták&#10;&#10;Popis byl vytvořen automaticky">
+            <a:extLst>
+              <a:ext uri="{FF2B5EF4-FFF2-40B4-BE49-F238E27FC236}">
+                <a16:creationId xmlns:a16="http://schemas.microsoft.com/office/drawing/2014/main" id="{6276D65B-8ED2-4A28-A3EC-0C067EEDBD79}"/>
+              </a:ext>
+            </a:extLst>
+          </p:cNvPr>
+          <p:cNvPicPr>
+            <a:picLocks noGrp="1" noChangeAspect="1"/>
+          </p:cNvPicPr>
+          <p:nvPr>
+            <p:ph idx="1"/>
+          </p:nvPr>
+        </p:nvPicPr>
+        <p:blipFill>
+          <a:blip r:embed="rId2">
+            <a:extLst>
+              <a:ext uri="{28A0092B-C50C-407E-A947-70E740481C1C}">
+                <a14:useLocalDpi xmlns:a14="http://schemas.microsoft.com/office/drawing/2010/main" val="0"/>
+              </a:ext>
+            </a:extLst>
+          </a:blip>
+          <a:stretch>
+            <a:fillRect/>
+          </a:stretch>
+        </p:blipFill>
+        <p:spPr>
+          <a:xfrm>
+            <a:off x="0" y="1193533"/>
             <a:ext cx="4805337" cy="2824863"/>
           </a:xfrm>
         </p:spPr>

--- a/Prezentacia.pptx
+++ b/Prezentacia.pptx
@@ -7,10 +7,11 @@
   <p:sldIdLst>
     <p:sldId id="256" r:id="rId2"/>
     <p:sldId id="257" r:id="rId3"/>
-    <p:sldId id="258" r:id="rId4"/>
-    <p:sldId id="260" r:id="rId5"/>
-    <p:sldId id="261" r:id="rId6"/>
-    <p:sldId id="259" r:id="rId7"/>
+    <p:sldId id="262" r:id="rId4"/>
+    <p:sldId id="258" r:id="rId5"/>
+    <p:sldId id="260" r:id="rId6"/>
+    <p:sldId id="261" r:id="rId7"/>
+    <p:sldId id="259" r:id="rId8"/>
   </p:sldIdLst>
   <p:sldSz cx="12192000" cy="6858000"/>
   <p:notesSz cx="6858000" cy="9144000"/>
@@ -264,7 +265,7 @@
           <a:p>
             <a:fld id="{A4B39C46-6696-42CA-BDD2-66844AF961F5}" type="datetimeFigureOut">
               <a:rPr lang="sk-SK" smtClean="0"/>
-              <a:t>16.5.20</a:t>
+              <a:t>17. 5. 2020</a:t>
             </a:fld>
             <a:endParaRPr lang="sk-SK"/>
           </a:p>
@@ -462,7 +463,7 @@
           <a:p>
             <a:fld id="{A4B39C46-6696-42CA-BDD2-66844AF961F5}" type="datetimeFigureOut">
               <a:rPr lang="sk-SK" smtClean="0"/>
-              <a:t>16.5.20</a:t>
+              <a:t>17. 5. 2020</a:t>
             </a:fld>
             <a:endParaRPr lang="sk-SK"/>
           </a:p>
@@ -670,7 +671,7 @@
           <a:p>
             <a:fld id="{A4B39C46-6696-42CA-BDD2-66844AF961F5}" type="datetimeFigureOut">
               <a:rPr lang="sk-SK" smtClean="0"/>
-              <a:t>16.5.20</a:t>
+              <a:t>17. 5. 2020</a:t>
             </a:fld>
             <a:endParaRPr lang="sk-SK"/>
           </a:p>
@@ -868,7 +869,7 @@
           <a:p>
             <a:fld id="{A4B39C46-6696-42CA-BDD2-66844AF961F5}" type="datetimeFigureOut">
               <a:rPr lang="sk-SK" smtClean="0"/>
-              <a:t>16.5.20</a:t>
+              <a:t>17. 5. 2020</a:t>
             </a:fld>
             <a:endParaRPr lang="sk-SK"/>
           </a:p>
@@ -1143,7 +1144,7 @@
           <a:p>
             <a:fld id="{A4B39C46-6696-42CA-BDD2-66844AF961F5}" type="datetimeFigureOut">
               <a:rPr lang="sk-SK" smtClean="0"/>
-              <a:t>16.5.20</a:t>
+              <a:t>17. 5. 2020</a:t>
             </a:fld>
             <a:endParaRPr lang="sk-SK"/>
           </a:p>
@@ -1408,7 +1409,7 @@
           <a:p>
             <a:fld id="{A4B39C46-6696-42CA-BDD2-66844AF961F5}" type="datetimeFigureOut">
               <a:rPr lang="sk-SK" smtClean="0"/>
-              <a:t>16.5.20</a:t>
+              <a:t>17. 5. 2020</a:t>
             </a:fld>
             <a:endParaRPr lang="sk-SK"/>
           </a:p>
@@ -1820,7 +1821,7 @@
           <a:p>
             <a:fld id="{A4B39C46-6696-42CA-BDD2-66844AF961F5}" type="datetimeFigureOut">
               <a:rPr lang="sk-SK" smtClean="0"/>
-              <a:t>16.5.20</a:t>
+              <a:t>17. 5. 2020</a:t>
             </a:fld>
             <a:endParaRPr lang="sk-SK"/>
           </a:p>
@@ -1961,7 +1962,7 @@
           <a:p>
             <a:fld id="{A4B39C46-6696-42CA-BDD2-66844AF961F5}" type="datetimeFigureOut">
               <a:rPr lang="sk-SK" smtClean="0"/>
-              <a:t>16.5.20</a:t>
+              <a:t>17. 5. 2020</a:t>
             </a:fld>
             <a:endParaRPr lang="sk-SK"/>
           </a:p>
@@ -2074,7 +2075,7 @@
           <a:p>
             <a:fld id="{A4B39C46-6696-42CA-BDD2-66844AF961F5}" type="datetimeFigureOut">
               <a:rPr lang="sk-SK" smtClean="0"/>
-              <a:t>16.5.20</a:t>
+              <a:t>17. 5. 2020</a:t>
             </a:fld>
             <a:endParaRPr lang="sk-SK"/>
           </a:p>
@@ -2385,7 +2386,7 @@
           <a:p>
             <a:fld id="{A4B39C46-6696-42CA-BDD2-66844AF961F5}" type="datetimeFigureOut">
               <a:rPr lang="sk-SK" smtClean="0"/>
-              <a:t>16.5.20</a:t>
+              <a:t>17. 5. 2020</a:t>
             </a:fld>
             <a:endParaRPr lang="sk-SK"/>
           </a:p>
@@ -2673,7 +2674,7 @@
           <a:p>
             <a:fld id="{A4B39C46-6696-42CA-BDD2-66844AF961F5}" type="datetimeFigureOut">
               <a:rPr lang="sk-SK" smtClean="0"/>
-              <a:t>16.5.20</a:t>
+              <a:t>17. 5. 2020</a:t>
             </a:fld>
             <a:endParaRPr lang="sk-SK"/>
           </a:p>
@@ -2914,7 +2915,7 @@
           <a:p>
             <a:fld id="{A4B39C46-6696-42CA-BDD2-66844AF961F5}" type="datetimeFigureOut">
               <a:rPr lang="sk-SK" smtClean="0"/>
-              <a:t>16.5.20</a:t>
+              <a:t>17. 5. 2020</a:t>
             </a:fld>
             <a:endParaRPr lang="sk-SK"/>
           </a:p>
@@ -3519,7 +3520,7 @@
         </p:blipFill>
         <p:spPr>
           <a:xfrm>
-            <a:off x="2719516" y="-11435"/>
+            <a:off x="2746411" y="-11435"/>
             <a:ext cx="6461430" cy="6869435"/>
           </a:xfrm>
           <a:prstGeom prst="rect">
@@ -3562,6 +3563,138 @@
           <p:cNvPr id="2" name="Nadpis 1">
             <a:extLst>
               <a:ext uri="{FF2B5EF4-FFF2-40B4-BE49-F238E27FC236}">
+                <a16:creationId xmlns:a16="http://schemas.microsoft.com/office/drawing/2014/main" id="{86A8EE4B-18CE-4973-AC7D-53286BA1599E}"/>
+              </a:ext>
+            </a:extLst>
+          </p:cNvPr>
+          <p:cNvSpPr>
+            <a:spLocks noGrp="1"/>
+          </p:cNvSpPr>
+          <p:nvPr>
+            <p:ph type="title"/>
+          </p:nvPr>
+        </p:nvSpPr>
+        <p:spPr>
+          <a:xfrm>
+            <a:off x="2838450" y="365125"/>
+            <a:ext cx="8515350" cy="1325563"/>
+          </a:xfrm>
+        </p:spPr>
+        <p:txBody>
+          <a:bodyPr/>
+          <a:lstStyle/>
+          <a:p>
+            <a:endParaRPr lang="sk-SK" dirty="0"/>
+          </a:p>
+        </p:txBody>
+      </p:sp>
+      <p:pic>
+        <p:nvPicPr>
+          <p:cNvPr id="15" name="Obrázok 14" descr="Obrázok, na ktorom je snímka obrazovky&#10;&#10;Automaticky generovaný popis">
+            <a:extLst>
+              <a:ext uri="{FF2B5EF4-FFF2-40B4-BE49-F238E27FC236}">
+                <a16:creationId xmlns:a16="http://schemas.microsoft.com/office/drawing/2014/main" id="{8DFA5FEA-D2AB-4E78-B063-66B4F6FAAF76}"/>
+              </a:ext>
+            </a:extLst>
+          </p:cNvPr>
+          <p:cNvPicPr>
+            <a:picLocks noChangeAspect="1"/>
+          </p:cNvPicPr>
+          <p:nvPr/>
+        </p:nvPicPr>
+        <p:blipFill>
+          <a:blip r:embed="rId2">
+            <a:extLst>
+              <a:ext uri="{28A0092B-C50C-407E-A947-70E740481C1C}">
+                <a14:useLocalDpi xmlns:a14="http://schemas.microsoft.com/office/drawing/2010/main" val="0"/>
+              </a:ext>
+            </a:extLst>
+          </a:blip>
+          <a:stretch>
+            <a:fillRect/>
+          </a:stretch>
+        </p:blipFill>
+        <p:spPr>
+          <a:xfrm>
+            <a:off x="0" y="0"/>
+            <a:ext cx="5869083" cy="5286375"/>
+          </a:xfrm>
+          <a:prstGeom prst="rect">
+            <a:avLst/>
+          </a:prstGeom>
+        </p:spPr>
+      </p:pic>
+      <p:pic>
+        <p:nvPicPr>
+          <p:cNvPr id="17" name="Obrázok 16" descr="Obrázok, na ktorom je snímka obrazovky&#10;&#10;Automaticky generovaný popis">
+            <a:extLst>
+              <a:ext uri="{FF2B5EF4-FFF2-40B4-BE49-F238E27FC236}">
+                <a16:creationId xmlns:a16="http://schemas.microsoft.com/office/drawing/2014/main" id="{94C0B9FA-62DE-4875-ADBF-816FA92082D7}"/>
+              </a:ext>
+            </a:extLst>
+          </p:cNvPr>
+          <p:cNvPicPr>
+            <a:picLocks noChangeAspect="1"/>
+          </p:cNvPicPr>
+          <p:nvPr/>
+        </p:nvPicPr>
+        <p:blipFill>
+          <a:blip r:embed="rId3">
+            <a:extLst>
+              <a:ext uri="{28A0092B-C50C-407E-A947-70E740481C1C}">
+                <a14:useLocalDpi xmlns:a14="http://schemas.microsoft.com/office/drawing/2010/main" val="0"/>
+              </a:ext>
+            </a:extLst>
+          </a:blip>
+          <a:stretch>
+            <a:fillRect/>
+          </a:stretch>
+        </p:blipFill>
+        <p:spPr>
+          <a:xfrm>
+            <a:off x="5240775" y="1313304"/>
+            <a:ext cx="6951225" cy="5544696"/>
+          </a:xfrm>
+          <a:prstGeom prst="rect">
+            <a:avLst/>
+          </a:prstGeom>
+        </p:spPr>
+      </p:pic>
+    </p:spTree>
+    <p:extLst>
+      <p:ext uri="{BB962C8B-B14F-4D97-AF65-F5344CB8AC3E}">
+        <p14:creationId xmlns:p14="http://schemas.microsoft.com/office/powerpoint/2010/main" val="4190241579"/>
+      </p:ext>
+    </p:extLst>
+  </p:cSld>
+  <p:clrMapOvr>
+    <a:masterClrMapping/>
+  </p:clrMapOvr>
+</p:sld>
+</file>
+
+<file path=ppt/slides/slide4.xml><?xml version="1.0" encoding="utf-8"?>
+<p:sld xmlns:a="http://schemas.openxmlformats.org/drawingml/2006/main" xmlns:r="http://schemas.openxmlformats.org/officeDocument/2006/relationships" xmlns:p="http://schemas.openxmlformats.org/presentationml/2006/main">
+  <p:cSld>
+    <p:spTree>
+      <p:nvGrpSpPr>
+        <p:cNvPr id="1" name=""/>
+        <p:cNvGrpSpPr/>
+        <p:nvPr/>
+      </p:nvGrpSpPr>
+      <p:grpSpPr>
+        <a:xfrm>
+          <a:off x="0" y="0"/>
+          <a:ext cx="0" cy="0"/>
+          <a:chOff x="0" y="0"/>
+          <a:chExt cx="0" cy="0"/>
+        </a:xfrm>
+      </p:grpSpPr>
+      <p:sp>
+        <p:nvSpPr>
+          <p:cNvPr id="2" name="Nadpis 1">
+            <a:extLst>
+              <a:ext uri="{FF2B5EF4-FFF2-40B4-BE49-F238E27FC236}">
                 <a16:creationId xmlns:a16="http://schemas.microsoft.com/office/drawing/2014/main" id="{DDAC2EED-5A1B-4A33-AE3A-2A8A38BC23A0}"/>
               </a:ext>
             </a:extLst>
@@ -3666,7 +3799,7 @@
 </p:sld>
 </file>
 
-<file path=ppt/slides/slide4.xml><?xml version="1.0" encoding="utf-8"?>
+<file path=ppt/slides/slide5.xml><?xml version="1.0" encoding="utf-8"?>
 <p:sld xmlns:a="http://schemas.openxmlformats.org/drawingml/2006/main" xmlns:r="http://schemas.openxmlformats.org/officeDocument/2006/relationships" xmlns:p="http://schemas.openxmlformats.org/presentationml/2006/main">
   <p:cSld>
     <p:spTree>
@@ -3808,7 +3941,7 @@
 </p:sld>
 </file>
 
-<file path=ppt/slides/slide5.xml><?xml version="1.0" encoding="utf-8"?>
+<file path=ppt/slides/slide6.xml><?xml version="1.0" encoding="utf-8"?>
 <p:sld xmlns:a="http://schemas.openxmlformats.org/drawingml/2006/main" xmlns:r="http://schemas.openxmlformats.org/officeDocument/2006/relationships" xmlns:p="http://schemas.openxmlformats.org/presentationml/2006/main">
   <p:cSld>
     <p:spTree>
@@ -3906,7 +4039,7 @@
 </p:sld>
 </file>
 
-<file path=ppt/slides/slide6.xml><?xml version="1.0" encoding="utf-8"?>
+<file path=ppt/slides/slide7.xml><?xml version="1.0" encoding="utf-8"?>
 <p:sld xmlns:a="http://schemas.openxmlformats.org/drawingml/2006/main" xmlns:r="http://schemas.openxmlformats.org/officeDocument/2006/relationships" xmlns:p="http://schemas.openxmlformats.org/presentationml/2006/main">
   <p:cSld>
     <p:spTree>

--- a/Prezentacia.pptx
+++ b/Prezentacia.pptx
@@ -10,8 +10,9 @@
     <p:sldId id="262" r:id="rId4"/>
     <p:sldId id="258" r:id="rId5"/>
     <p:sldId id="260" r:id="rId6"/>
-    <p:sldId id="261" r:id="rId7"/>
-    <p:sldId id="259" r:id="rId8"/>
+    <p:sldId id="263" r:id="rId7"/>
+    <p:sldId id="261" r:id="rId8"/>
+    <p:sldId id="259" r:id="rId9"/>
   </p:sldIdLst>
   <p:sldSz cx="12192000" cy="6858000"/>
   <p:notesSz cx="6858000" cy="9144000"/>
@@ -3958,6 +3959,72 @@
           <a:chExt cx="0" cy="0"/>
         </a:xfrm>
       </p:grpSpPr>
+      <p:pic>
+        <p:nvPicPr>
+          <p:cNvPr id="5" name="Obrázok 4" descr="Obrázok, na ktorom je snímka obrazovky&#10;&#10;Automaticky generovaný popis">
+            <a:extLst>
+              <a:ext uri="{FF2B5EF4-FFF2-40B4-BE49-F238E27FC236}">
+                <a16:creationId xmlns:a16="http://schemas.microsoft.com/office/drawing/2014/main" id="{9AFF4706-F359-4732-8365-C7186F9D94CD}"/>
+              </a:ext>
+            </a:extLst>
+          </p:cNvPr>
+          <p:cNvPicPr>
+            <a:picLocks noChangeAspect="1"/>
+          </p:cNvPicPr>
+          <p:nvPr/>
+        </p:nvPicPr>
+        <p:blipFill>
+          <a:blip r:embed="rId2">
+            <a:extLst>
+              <a:ext uri="{28A0092B-C50C-407E-A947-70E740481C1C}">
+                <a14:useLocalDpi xmlns:a14="http://schemas.microsoft.com/office/drawing/2010/main" val="0"/>
+              </a:ext>
+            </a:extLst>
+          </a:blip>
+          <a:stretch>
+            <a:fillRect/>
+          </a:stretch>
+        </p:blipFill>
+        <p:spPr>
+          <a:xfrm>
+            <a:off x="3066807" y="0"/>
+            <a:ext cx="6007902" cy="6858000"/>
+          </a:xfrm>
+          <a:prstGeom prst="rect">
+            <a:avLst/>
+          </a:prstGeom>
+        </p:spPr>
+      </p:pic>
+    </p:spTree>
+    <p:extLst>
+      <p:ext uri="{BB962C8B-B14F-4D97-AF65-F5344CB8AC3E}">
+        <p14:creationId xmlns:p14="http://schemas.microsoft.com/office/powerpoint/2010/main" val="3374312092"/>
+      </p:ext>
+    </p:extLst>
+  </p:cSld>
+  <p:clrMapOvr>
+    <a:masterClrMapping/>
+  </p:clrMapOvr>
+</p:sld>
+</file>
+
+<file path=ppt/slides/slide7.xml><?xml version="1.0" encoding="utf-8"?>
+<p:sld xmlns:a="http://schemas.openxmlformats.org/drawingml/2006/main" xmlns:r="http://schemas.openxmlformats.org/officeDocument/2006/relationships" xmlns:p="http://schemas.openxmlformats.org/presentationml/2006/main">
+  <p:cSld>
+    <p:spTree>
+      <p:nvGrpSpPr>
+        <p:cNvPr id="1" name=""/>
+        <p:cNvGrpSpPr/>
+        <p:nvPr/>
+      </p:nvGrpSpPr>
+      <p:grpSpPr>
+        <a:xfrm>
+          <a:off x="0" y="0"/>
+          <a:ext cx="0" cy="0"/>
+          <a:chOff x="0" y="0"/>
+          <a:chExt cx="0" cy="0"/>
+        </a:xfrm>
+      </p:grpSpPr>
       <p:sp>
         <p:nvSpPr>
           <p:cNvPr id="2" name="Nadpis 1">
@@ -4022,8 +4089,44 @@
         <p:spPr>
           <a:xfrm>
             <a:off x="714577" y="1690688"/>
-            <a:ext cx="5381423" cy="2426201"/>
+            <a:ext cx="5609185" cy="2528887"/>
           </a:xfrm>
+        </p:spPr>
+      </p:pic>
+      <p:pic>
+        <p:nvPicPr>
+          <p:cNvPr id="4" name="Obrázok 3" descr="Obrázok, na ktorom je vták&#10;&#10;Automaticky generovaný popis">
+            <a:extLst>
+              <a:ext uri="{FF2B5EF4-FFF2-40B4-BE49-F238E27FC236}">
+                <a16:creationId xmlns:a16="http://schemas.microsoft.com/office/drawing/2014/main" id="{F49C1C55-7D5C-46C1-90FE-AB0D705C160B}"/>
+              </a:ext>
+            </a:extLst>
+          </p:cNvPr>
+          <p:cNvPicPr>
+            <a:picLocks noChangeAspect="1"/>
+          </p:cNvPicPr>
+          <p:nvPr/>
+        </p:nvPicPr>
+        <p:blipFill>
+          <a:blip r:embed="rId3">
+            <a:extLst>
+              <a:ext uri="{28A0092B-C50C-407E-A947-70E740481C1C}">
+                <a14:useLocalDpi xmlns:a14="http://schemas.microsoft.com/office/drawing/2010/main" val="0"/>
+              </a:ext>
+            </a:extLst>
+          </a:blip>
+          <a:stretch>
+            <a:fillRect/>
+          </a:stretch>
+        </p:blipFill>
+        <p:spPr>
+          <a:xfrm>
+            <a:off x="6753225" y="2449318"/>
+            <a:ext cx="5229225" cy="4408682"/>
+          </a:xfrm>
+          <a:prstGeom prst="rect">
+            <a:avLst/>
+          </a:prstGeom>
         </p:spPr>
       </p:pic>
     </p:spTree>
@@ -4039,7 +4142,7 @@
 </p:sld>
 </file>
 
-<file path=ppt/slides/slide7.xml><?xml version="1.0" encoding="utf-8"?>
+<file path=ppt/slides/slide8.xml><?xml version="1.0" encoding="utf-8"?>
 <p:sld xmlns:a="http://schemas.openxmlformats.org/drawingml/2006/main" xmlns:r="http://schemas.openxmlformats.org/officeDocument/2006/relationships" xmlns:p="http://schemas.openxmlformats.org/presentationml/2006/main">
   <p:cSld>
     <p:spTree>

--- a/Prezentacia.pptx
+++ b/Prezentacia.pptx
@@ -7,12 +7,13 @@
   <p:sldIdLst>
     <p:sldId id="256" r:id="rId2"/>
     <p:sldId id="257" r:id="rId3"/>
-    <p:sldId id="262" r:id="rId4"/>
-    <p:sldId id="258" r:id="rId5"/>
-    <p:sldId id="260" r:id="rId6"/>
-    <p:sldId id="263" r:id="rId7"/>
-    <p:sldId id="261" r:id="rId8"/>
-    <p:sldId id="259" r:id="rId9"/>
+    <p:sldId id="264" r:id="rId4"/>
+    <p:sldId id="262" r:id="rId5"/>
+    <p:sldId id="258" r:id="rId6"/>
+    <p:sldId id="260" r:id="rId7"/>
+    <p:sldId id="263" r:id="rId8"/>
+    <p:sldId id="261" r:id="rId9"/>
+    <p:sldId id="259" r:id="rId10"/>
   </p:sldIdLst>
   <p:sldSz cx="12192000" cy="6858000"/>
   <p:notesSz cx="6858000" cy="9144000"/>
@@ -3521,7 +3522,7 @@
         </p:blipFill>
         <p:spPr>
           <a:xfrm>
-            <a:off x="2746411" y="-11435"/>
+            <a:off x="2800199" y="-11435"/>
             <a:ext cx="6461430" cy="6869435"/>
           </a:xfrm>
           <a:prstGeom prst="rect">
@@ -3564,7 +3565,7 @@
           <p:cNvPr id="2" name="Nadpis 1">
             <a:extLst>
               <a:ext uri="{FF2B5EF4-FFF2-40B4-BE49-F238E27FC236}">
-                <a16:creationId xmlns:a16="http://schemas.microsoft.com/office/drawing/2014/main" id="{86A8EE4B-18CE-4973-AC7D-53286BA1599E}"/>
+                <a16:creationId xmlns:a16="http://schemas.microsoft.com/office/drawing/2014/main" id="{423F3EB4-2A72-43FA-AB1B-C03640EFA776}"/>
               </a:ext>
             </a:extLst>
           </p:cNvPr>
@@ -3575,12 +3576,7 @@
             <p:ph type="title"/>
           </p:nvPr>
         </p:nvSpPr>
-        <p:spPr>
-          <a:xfrm>
-            <a:off x="2838450" y="365125"/>
-            <a:ext cx="8515350" cy="1325563"/>
-          </a:xfrm>
-        </p:spPr>
+        <p:spPr/>
         <p:txBody>
           <a:bodyPr/>
           <a:lstStyle/>
@@ -3591,17 +3587,19 @@
       </p:sp>
       <p:pic>
         <p:nvPicPr>
-          <p:cNvPr id="15" name="Obrázok 14" descr="Obrázok, na ktorom je snímka obrazovky&#10;&#10;Automaticky generovaný popis">
-            <a:extLst>
-              <a:ext uri="{FF2B5EF4-FFF2-40B4-BE49-F238E27FC236}">
-                <a16:creationId xmlns:a16="http://schemas.microsoft.com/office/drawing/2014/main" id="{8DFA5FEA-D2AB-4E78-B063-66B4F6FAAF76}"/>
+          <p:cNvPr id="5" name="Zástupný objekt pre obsah 4">
+            <a:extLst>
+              <a:ext uri="{FF2B5EF4-FFF2-40B4-BE49-F238E27FC236}">
+                <a16:creationId xmlns:a16="http://schemas.microsoft.com/office/drawing/2014/main" id="{8153425E-F7BE-4621-8CD8-220AF5E7FAF7}"/>
               </a:ext>
             </a:extLst>
           </p:cNvPr>
           <p:cNvPicPr>
-            <a:picLocks noChangeAspect="1"/>
+            <a:picLocks noGrp="1" noChangeAspect="1"/>
           </p:cNvPicPr>
-          <p:nvPr/>
+          <p:nvPr>
+            <p:ph idx="1"/>
+          </p:nvPr>
         </p:nvPicPr>
         <p:blipFill>
           <a:blip r:embed="rId2">
@@ -3618,19 +3616,16 @@
         <p:spPr>
           <a:xfrm>
             <a:off x="0" y="0"/>
-            <a:ext cx="5869083" cy="5286375"/>
+            <a:ext cx="3710828" cy="3904526"/>
           </a:xfrm>
-          <a:prstGeom prst="rect">
-            <a:avLst/>
-          </a:prstGeom>
         </p:spPr>
       </p:pic>
       <p:pic>
         <p:nvPicPr>
-          <p:cNvPr id="17" name="Obrázok 16" descr="Obrázok, na ktorom je snímka obrazovky&#10;&#10;Automaticky generovaný popis">
-            <a:extLst>
-              <a:ext uri="{FF2B5EF4-FFF2-40B4-BE49-F238E27FC236}">
-                <a16:creationId xmlns:a16="http://schemas.microsoft.com/office/drawing/2014/main" id="{94C0B9FA-62DE-4875-ADBF-816FA92082D7}"/>
+          <p:cNvPr id="6" name="Obrázok 5" descr="Obrázok, na ktorom je snímka obrazovky&#10;&#10;Automaticky generovaný popis">
+            <a:extLst>
+              <a:ext uri="{FF2B5EF4-FFF2-40B4-BE49-F238E27FC236}">
+                <a16:creationId xmlns:a16="http://schemas.microsoft.com/office/drawing/2014/main" id="{0995FBD7-2373-49CC-A40E-095500617ABD}"/>
               </a:ext>
             </a:extLst>
           </p:cNvPr>
@@ -3653,8 +3648,104 @@
         </p:blipFill>
         <p:spPr>
           <a:xfrm>
-            <a:off x="5240775" y="1313304"/>
-            <a:ext cx="6951225" cy="5544696"/>
+            <a:off x="4549028" y="0"/>
+            <a:ext cx="7642972" cy="6884144"/>
+          </a:xfrm>
+          <a:prstGeom prst="rect">
+            <a:avLst/>
+          </a:prstGeom>
+        </p:spPr>
+      </p:pic>
+    </p:spTree>
+    <p:extLst>
+      <p:ext uri="{BB962C8B-B14F-4D97-AF65-F5344CB8AC3E}">
+        <p14:creationId xmlns:p14="http://schemas.microsoft.com/office/powerpoint/2010/main" val="2716848845"/>
+      </p:ext>
+    </p:extLst>
+  </p:cSld>
+  <p:clrMapOvr>
+    <a:masterClrMapping/>
+  </p:clrMapOvr>
+</p:sld>
+</file>
+
+<file path=ppt/slides/slide4.xml><?xml version="1.0" encoding="utf-8"?>
+<p:sld xmlns:a="http://schemas.openxmlformats.org/drawingml/2006/main" xmlns:r="http://schemas.openxmlformats.org/officeDocument/2006/relationships" xmlns:p="http://schemas.openxmlformats.org/presentationml/2006/main">
+  <p:cSld>
+    <p:spTree>
+      <p:nvGrpSpPr>
+        <p:cNvPr id="1" name=""/>
+        <p:cNvGrpSpPr/>
+        <p:nvPr/>
+      </p:nvGrpSpPr>
+      <p:grpSpPr>
+        <a:xfrm>
+          <a:off x="0" y="0"/>
+          <a:ext cx="0" cy="0"/>
+          <a:chOff x="0" y="0"/>
+          <a:chExt cx="0" cy="0"/>
+        </a:xfrm>
+      </p:grpSpPr>
+      <p:sp>
+        <p:nvSpPr>
+          <p:cNvPr id="2" name="Nadpis 1">
+            <a:extLst>
+              <a:ext uri="{FF2B5EF4-FFF2-40B4-BE49-F238E27FC236}">
+                <a16:creationId xmlns:a16="http://schemas.microsoft.com/office/drawing/2014/main" id="{86A8EE4B-18CE-4973-AC7D-53286BA1599E}"/>
+              </a:ext>
+            </a:extLst>
+          </p:cNvPr>
+          <p:cNvSpPr>
+            <a:spLocks noGrp="1"/>
+          </p:cNvSpPr>
+          <p:nvPr>
+            <p:ph type="title"/>
+          </p:nvPr>
+        </p:nvSpPr>
+        <p:spPr>
+          <a:xfrm>
+            <a:off x="2838450" y="365125"/>
+            <a:ext cx="8515350" cy="1325563"/>
+          </a:xfrm>
+        </p:spPr>
+        <p:txBody>
+          <a:bodyPr/>
+          <a:lstStyle/>
+          <a:p>
+            <a:endParaRPr lang="sk-SK" dirty="0"/>
+          </a:p>
+        </p:txBody>
+      </p:sp>
+      <p:pic>
+        <p:nvPicPr>
+          <p:cNvPr id="17" name="Obrázok 16" descr="Obrázok, na ktorom je snímka obrazovky&#10;&#10;Automaticky generovaný popis">
+            <a:extLst>
+              <a:ext uri="{FF2B5EF4-FFF2-40B4-BE49-F238E27FC236}">
+                <a16:creationId xmlns:a16="http://schemas.microsoft.com/office/drawing/2014/main" id="{94C0B9FA-62DE-4875-ADBF-816FA92082D7}"/>
+              </a:ext>
+            </a:extLst>
+          </p:cNvPr>
+          <p:cNvPicPr>
+            <a:picLocks noChangeAspect="1"/>
+          </p:cNvPicPr>
+          <p:nvPr/>
+        </p:nvPicPr>
+        <p:blipFill>
+          <a:blip r:embed="rId2">
+            <a:extLst>
+              <a:ext uri="{28A0092B-C50C-407E-A947-70E740481C1C}">
+                <a14:useLocalDpi xmlns:a14="http://schemas.microsoft.com/office/drawing/2010/main" val="0"/>
+              </a:ext>
+            </a:extLst>
+          </a:blip>
+          <a:stretch>
+            <a:fillRect/>
+          </a:stretch>
+        </p:blipFill>
+        <p:spPr>
+          <a:xfrm>
+            <a:off x="2013480" y="0"/>
+            <a:ext cx="8597676" cy="6858000"/>
           </a:xfrm>
           <a:prstGeom prst="rect">
             <a:avLst/>
@@ -3674,7 +3765,7 @@
 </p:sld>
 </file>
 
-<file path=ppt/slides/slide4.xml><?xml version="1.0" encoding="utf-8"?>
+<file path=ppt/slides/slide5.xml><?xml version="1.0" encoding="utf-8"?>
 <p:sld xmlns:a="http://schemas.openxmlformats.org/drawingml/2006/main" xmlns:r="http://schemas.openxmlformats.org/officeDocument/2006/relationships" xmlns:p="http://schemas.openxmlformats.org/presentationml/2006/main">
   <p:cSld>
     <p:spTree>
@@ -3800,7 +3891,7 @@
 </p:sld>
 </file>
 
-<file path=ppt/slides/slide5.xml><?xml version="1.0" encoding="utf-8"?>
+<file path=ppt/slides/slide6.xml><?xml version="1.0" encoding="utf-8"?>
 <p:sld xmlns:a="http://schemas.openxmlformats.org/drawingml/2006/main" xmlns:r="http://schemas.openxmlformats.org/officeDocument/2006/relationships" xmlns:p="http://schemas.openxmlformats.org/presentationml/2006/main">
   <p:cSld>
     <p:spTree>
@@ -3942,7 +4033,7 @@
 </p:sld>
 </file>
 
-<file path=ppt/slides/slide6.xml><?xml version="1.0" encoding="utf-8"?>
+<file path=ppt/slides/slide7.xml><?xml version="1.0" encoding="utf-8"?>
 <p:sld xmlns:a="http://schemas.openxmlformats.org/drawingml/2006/main" xmlns:r="http://schemas.openxmlformats.org/officeDocument/2006/relationships" xmlns:p="http://schemas.openxmlformats.org/presentationml/2006/main">
   <p:cSld>
     <p:spTree>
@@ -4008,7 +4099,7 @@
 </p:sld>
 </file>
 
-<file path=ppt/slides/slide7.xml><?xml version="1.0" encoding="utf-8"?>
+<file path=ppt/slides/slide8.xml><?xml version="1.0" encoding="utf-8"?>
 <p:sld xmlns:a="http://schemas.openxmlformats.org/drawingml/2006/main" xmlns:r="http://schemas.openxmlformats.org/officeDocument/2006/relationships" xmlns:p="http://schemas.openxmlformats.org/presentationml/2006/main">
   <p:cSld>
     <p:spTree>
@@ -4142,7 +4233,7 @@
 </p:sld>
 </file>
 
-<file path=ppt/slides/slide8.xml><?xml version="1.0" encoding="utf-8"?>
+<file path=ppt/slides/slide9.xml><?xml version="1.0" encoding="utf-8"?>
 <p:sld xmlns:a="http://schemas.openxmlformats.org/drawingml/2006/main" xmlns:r="http://schemas.openxmlformats.org/officeDocument/2006/relationships" xmlns:p="http://schemas.openxmlformats.org/presentationml/2006/main">
   <p:cSld>
     <p:spTree>

--- a/Prezentacia.pptx
+++ b/Prezentacia.pptx
@@ -8,12 +8,11 @@
     <p:sldId id="256" r:id="rId2"/>
     <p:sldId id="257" r:id="rId3"/>
     <p:sldId id="264" r:id="rId4"/>
-    <p:sldId id="262" r:id="rId5"/>
-    <p:sldId id="258" r:id="rId6"/>
-    <p:sldId id="260" r:id="rId7"/>
-    <p:sldId id="263" r:id="rId8"/>
-    <p:sldId id="261" r:id="rId9"/>
-    <p:sldId id="259" r:id="rId10"/>
+    <p:sldId id="258" r:id="rId5"/>
+    <p:sldId id="260" r:id="rId6"/>
+    <p:sldId id="263" r:id="rId7"/>
+    <p:sldId id="261" r:id="rId8"/>
+    <p:sldId id="259" r:id="rId9"/>
   </p:sldIdLst>
   <p:sldSz cx="12192000" cy="6858000"/>
   <p:notesSz cx="6858000" cy="9144000"/>
@@ -267,7 +266,7 @@
           <a:p>
             <a:fld id="{A4B39C46-6696-42CA-BDD2-66844AF961F5}" type="datetimeFigureOut">
               <a:rPr lang="sk-SK" smtClean="0"/>
-              <a:t>17. 5. 2020</a:t>
+              <a:t>19. 5. 2020</a:t>
             </a:fld>
             <a:endParaRPr lang="sk-SK"/>
           </a:p>
@@ -465,7 +464,7 @@
           <a:p>
             <a:fld id="{A4B39C46-6696-42CA-BDD2-66844AF961F5}" type="datetimeFigureOut">
               <a:rPr lang="sk-SK" smtClean="0"/>
-              <a:t>17. 5. 2020</a:t>
+              <a:t>19. 5. 2020</a:t>
             </a:fld>
             <a:endParaRPr lang="sk-SK"/>
           </a:p>
@@ -673,7 +672,7 @@
           <a:p>
             <a:fld id="{A4B39C46-6696-42CA-BDD2-66844AF961F5}" type="datetimeFigureOut">
               <a:rPr lang="sk-SK" smtClean="0"/>
-              <a:t>17. 5. 2020</a:t>
+              <a:t>19. 5. 2020</a:t>
             </a:fld>
             <a:endParaRPr lang="sk-SK"/>
           </a:p>
@@ -871,7 +870,7 @@
           <a:p>
             <a:fld id="{A4B39C46-6696-42CA-BDD2-66844AF961F5}" type="datetimeFigureOut">
               <a:rPr lang="sk-SK" smtClean="0"/>
-              <a:t>17. 5. 2020</a:t>
+              <a:t>19. 5. 2020</a:t>
             </a:fld>
             <a:endParaRPr lang="sk-SK"/>
           </a:p>
@@ -1146,7 +1145,7 @@
           <a:p>
             <a:fld id="{A4B39C46-6696-42CA-BDD2-66844AF961F5}" type="datetimeFigureOut">
               <a:rPr lang="sk-SK" smtClean="0"/>
-              <a:t>17. 5. 2020</a:t>
+              <a:t>19. 5. 2020</a:t>
             </a:fld>
             <a:endParaRPr lang="sk-SK"/>
           </a:p>
@@ -1411,7 +1410,7 @@
           <a:p>
             <a:fld id="{A4B39C46-6696-42CA-BDD2-66844AF961F5}" type="datetimeFigureOut">
               <a:rPr lang="sk-SK" smtClean="0"/>
-              <a:t>17. 5. 2020</a:t>
+              <a:t>19. 5. 2020</a:t>
             </a:fld>
             <a:endParaRPr lang="sk-SK"/>
           </a:p>
@@ -1823,7 +1822,7 @@
           <a:p>
             <a:fld id="{A4B39C46-6696-42CA-BDD2-66844AF961F5}" type="datetimeFigureOut">
               <a:rPr lang="sk-SK" smtClean="0"/>
-              <a:t>17. 5. 2020</a:t>
+              <a:t>19. 5. 2020</a:t>
             </a:fld>
             <a:endParaRPr lang="sk-SK"/>
           </a:p>
@@ -1964,7 +1963,7 @@
           <a:p>
             <a:fld id="{A4B39C46-6696-42CA-BDD2-66844AF961F5}" type="datetimeFigureOut">
               <a:rPr lang="sk-SK" smtClean="0"/>
-              <a:t>17. 5. 2020</a:t>
+              <a:t>19. 5. 2020</a:t>
             </a:fld>
             <a:endParaRPr lang="sk-SK"/>
           </a:p>
@@ -2077,7 +2076,7 @@
           <a:p>
             <a:fld id="{A4B39C46-6696-42CA-BDD2-66844AF961F5}" type="datetimeFigureOut">
               <a:rPr lang="sk-SK" smtClean="0"/>
-              <a:t>17. 5. 2020</a:t>
+              <a:t>19. 5. 2020</a:t>
             </a:fld>
             <a:endParaRPr lang="sk-SK"/>
           </a:p>
@@ -2388,7 +2387,7 @@
           <a:p>
             <a:fld id="{A4B39C46-6696-42CA-BDD2-66844AF961F5}" type="datetimeFigureOut">
               <a:rPr lang="sk-SK" smtClean="0"/>
-              <a:t>17. 5. 2020</a:t>
+              <a:t>19. 5. 2020</a:t>
             </a:fld>
             <a:endParaRPr lang="sk-SK"/>
           </a:p>
@@ -2676,7 +2675,7 @@
           <a:p>
             <a:fld id="{A4B39C46-6696-42CA-BDD2-66844AF961F5}" type="datetimeFigureOut">
               <a:rPr lang="sk-SK" smtClean="0"/>
-              <a:t>17. 5. 2020</a:t>
+              <a:t>19. 5. 2020</a:t>
             </a:fld>
             <a:endParaRPr lang="sk-SK"/>
           </a:p>
@@ -2917,7 +2916,7 @@
           <a:p>
             <a:fld id="{A4B39C46-6696-42CA-BDD2-66844AF961F5}" type="datetimeFigureOut">
               <a:rPr lang="sk-SK" smtClean="0"/>
-              <a:t>17. 5. 2020</a:t>
+              <a:t>19. 5. 2020</a:t>
             </a:fld>
             <a:endParaRPr lang="sk-SK"/>
           </a:p>
@@ -3587,10 +3586,10 @@
       </p:sp>
       <p:pic>
         <p:nvPicPr>
-          <p:cNvPr id="5" name="Zástupný objekt pre obsah 4">
-            <a:extLst>
-              <a:ext uri="{FF2B5EF4-FFF2-40B4-BE49-F238E27FC236}">
-                <a16:creationId xmlns:a16="http://schemas.microsoft.com/office/drawing/2014/main" id="{8153425E-F7BE-4621-8CD8-220AF5E7FAF7}"/>
+          <p:cNvPr id="20" name="Zástupný objekt pre obsah 19">
+            <a:extLst>
+              <a:ext uri="{FF2B5EF4-FFF2-40B4-BE49-F238E27FC236}">
+                <a16:creationId xmlns:a16="http://schemas.microsoft.com/office/drawing/2014/main" id="{01F7F98C-B2B0-4492-AB86-6923CF943C26}"/>
               </a:ext>
             </a:extLst>
           </p:cNvPr>
@@ -3615,17 +3614,17 @@
         </p:blipFill>
         <p:spPr>
           <a:xfrm>
-            <a:off x="0" y="0"/>
-            <a:ext cx="3710828" cy="3904526"/>
+            <a:off x="5209160" y="38100"/>
+            <a:ext cx="6829425" cy="4787495"/>
           </a:xfrm>
         </p:spPr>
       </p:pic>
       <p:pic>
         <p:nvPicPr>
-          <p:cNvPr id="6" name="Obrázok 5" descr="Obrázok, na ktorom je snímka obrazovky&#10;&#10;Automaticky generovaný popis">
-            <a:extLst>
-              <a:ext uri="{FF2B5EF4-FFF2-40B4-BE49-F238E27FC236}">
-                <a16:creationId xmlns:a16="http://schemas.microsoft.com/office/drawing/2014/main" id="{0995FBD7-2373-49CC-A40E-095500617ABD}"/>
+          <p:cNvPr id="22" name="Obrázok 21" descr="Obrázok, na ktorom je snímka obrazovky&#10;&#10;Automaticky generovaný popis">
+            <a:extLst>
+              <a:ext uri="{FF2B5EF4-FFF2-40B4-BE49-F238E27FC236}">
+                <a16:creationId xmlns:a16="http://schemas.microsoft.com/office/drawing/2014/main" id="{93CCB60D-9F55-4F52-91DA-78C266C3AC87}"/>
               </a:ext>
             </a:extLst>
           </p:cNvPr>
@@ -3648,8 +3647,44 @@
         </p:blipFill>
         <p:spPr>
           <a:xfrm>
-            <a:off x="4549028" y="0"/>
-            <a:ext cx="7642972" cy="6884144"/>
+            <a:off x="-70799" y="4781551"/>
+            <a:ext cx="10559918" cy="2076450"/>
+          </a:xfrm>
+          <a:prstGeom prst="rect">
+            <a:avLst/>
+          </a:prstGeom>
+        </p:spPr>
+      </p:pic>
+      <p:pic>
+        <p:nvPicPr>
+          <p:cNvPr id="24" name="Obrázok 23" descr="Obrázok, na ktorom je snímka obrazovky&#10;&#10;Automaticky generovaný popis">
+            <a:extLst>
+              <a:ext uri="{FF2B5EF4-FFF2-40B4-BE49-F238E27FC236}">
+                <a16:creationId xmlns:a16="http://schemas.microsoft.com/office/drawing/2014/main" id="{C9D42393-6564-49B9-AF74-92878770A9D6}"/>
+              </a:ext>
+            </a:extLst>
+          </p:cNvPr>
+          <p:cNvPicPr>
+            <a:picLocks noChangeAspect="1"/>
+          </p:cNvPicPr>
+          <p:nvPr/>
+        </p:nvPicPr>
+        <p:blipFill>
+          <a:blip r:embed="rId4">
+            <a:extLst>
+              <a:ext uri="{28A0092B-C50C-407E-A947-70E740481C1C}">
+                <a14:useLocalDpi xmlns:a14="http://schemas.microsoft.com/office/drawing/2010/main" val="0"/>
+              </a:ext>
+            </a:extLst>
+          </a:blip>
+          <a:stretch>
+            <a:fillRect/>
+          </a:stretch>
+        </p:blipFill>
+        <p:spPr>
+          <a:xfrm>
+            <a:off x="-1" y="0"/>
+            <a:ext cx="4524375" cy="4512113"/>
           </a:xfrm>
           <a:prstGeom prst="rect">
             <a:avLst/>
@@ -3691,102 +3726,6 @@
           <p:cNvPr id="2" name="Nadpis 1">
             <a:extLst>
               <a:ext uri="{FF2B5EF4-FFF2-40B4-BE49-F238E27FC236}">
-                <a16:creationId xmlns:a16="http://schemas.microsoft.com/office/drawing/2014/main" id="{86A8EE4B-18CE-4973-AC7D-53286BA1599E}"/>
-              </a:ext>
-            </a:extLst>
-          </p:cNvPr>
-          <p:cNvSpPr>
-            <a:spLocks noGrp="1"/>
-          </p:cNvSpPr>
-          <p:nvPr>
-            <p:ph type="title"/>
-          </p:nvPr>
-        </p:nvSpPr>
-        <p:spPr>
-          <a:xfrm>
-            <a:off x="2838450" y="365125"/>
-            <a:ext cx="8515350" cy="1325563"/>
-          </a:xfrm>
-        </p:spPr>
-        <p:txBody>
-          <a:bodyPr/>
-          <a:lstStyle/>
-          <a:p>
-            <a:endParaRPr lang="sk-SK" dirty="0"/>
-          </a:p>
-        </p:txBody>
-      </p:sp>
-      <p:pic>
-        <p:nvPicPr>
-          <p:cNvPr id="17" name="Obrázok 16" descr="Obrázok, na ktorom je snímka obrazovky&#10;&#10;Automaticky generovaný popis">
-            <a:extLst>
-              <a:ext uri="{FF2B5EF4-FFF2-40B4-BE49-F238E27FC236}">
-                <a16:creationId xmlns:a16="http://schemas.microsoft.com/office/drawing/2014/main" id="{94C0B9FA-62DE-4875-ADBF-816FA92082D7}"/>
-              </a:ext>
-            </a:extLst>
-          </p:cNvPr>
-          <p:cNvPicPr>
-            <a:picLocks noChangeAspect="1"/>
-          </p:cNvPicPr>
-          <p:nvPr/>
-        </p:nvPicPr>
-        <p:blipFill>
-          <a:blip r:embed="rId2">
-            <a:extLst>
-              <a:ext uri="{28A0092B-C50C-407E-A947-70E740481C1C}">
-                <a14:useLocalDpi xmlns:a14="http://schemas.microsoft.com/office/drawing/2010/main" val="0"/>
-              </a:ext>
-            </a:extLst>
-          </a:blip>
-          <a:stretch>
-            <a:fillRect/>
-          </a:stretch>
-        </p:blipFill>
-        <p:spPr>
-          <a:xfrm>
-            <a:off x="2013480" y="0"/>
-            <a:ext cx="8597676" cy="6858000"/>
-          </a:xfrm>
-          <a:prstGeom prst="rect">
-            <a:avLst/>
-          </a:prstGeom>
-        </p:spPr>
-      </p:pic>
-    </p:spTree>
-    <p:extLst>
-      <p:ext uri="{BB962C8B-B14F-4D97-AF65-F5344CB8AC3E}">
-        <p14:creationId xmlns:p14="http://schemas.microsoft.com/office/powerpoint/2010/main" val="4190241579"/>
-      </p:ext>
-    </p:extLst>
-  </p:cSld>
-  <p:clrMapOvr>
-    <a:masterClrMapping/>
-  </p:clrMapOvr>
-</p:sld>
-</file>
-
-<file path=ppt/slides/slide5.xml><?xml version="1.0" encoding="utf-8"?>
-<p:sld xmlns:a="http://schemas.openxmlformats.org/drawingml/2006/main" xmlns:r="http://schemas.openxmlformats.org/officeDocument/2006/relationships" xmlns:p="http://schemas.openxmlformats.org/presentationml/2006/main">
-  <p:cSld>
-    <p:spTree>
-      <p:nvGrpSpPr>
-        <p:cNvPr id="1" name=""/>
-        <p:cNvGrpSpPr/>
-        <p:nvPr/>
-      </p:nvGrpSpPr>
-      <p:grpSpPr>
-        <a:xfrm>
-          <a:off x="0" y="0"/>
-          <a:ext cx="0" cy="0"/>
-          <a:chOff x="0" y="0"/>
-          <a:chExt cx="0" cy="0"/>
-        </a:xfrm>
-      </p:grpSpPr>
-      <p:sp>
-        <p:nvSpPr>
-          <p:cNvPr id="2" name="Nadpis 1">
-            <a:extLst>
-              <a:ext uri="{FF2B5EF4-FFF2-40B4-BE49-F238E27FC236}">
                 <a16:creationId xmlns:a16="http://schemas.microsoft.com/office/drawing/2014/main" id="{DDAC2EED-5A1B-4A33-AE3A-2A8A38BC23A0}"/>
               </a:ext>
             </a:extLst>
@@ -3891,7 +3830,7 @@
 </p:sld>
 </file>
 
-<file path=ppt/slides/slide6.xml><?xml version="1.0" encoding="utf-8"?>
+<file path=ppt/slides/slide5.xml><?xml version="1.0" encoding="utf-8"?>
 <p:sld xmlns:a="http://schemas.openxmlformats.org/drawingml/2006/main" xmlns:r="http://schemas.openxmlformats.org/officeDocument/2006/relationships" xmlns:p="http://schemas.openxmlformats.org/presentationml/2006/main">
   <p:cSld>
     <p:spTree>
@@ -4033,7 +3972,7 @@
 </p:sld>
 </file>
 
-<file path=ppt/slides/slide7.xml><?xml version="1.0" encoding="utf-8"?>
+<file path=ppt/slides/slide6.xml><?xml version="1.0" encoding="utf-8"?>
 <p:sld xmlns:a="http://schemas.openxmlformats.org/drawingml/2006/main" xmlns:r="http://schemas.openxmlformats.org/officeDocument/2006/relationships" xmlns:p="http://schemas.openxmlformats.org/presentationml/2006/main">
   <p:cSld>
     <p:spTree>
@@ -4099,7 +4038,7 @@
 </p:sld>
 </file>
 
-<file path=ppt/slides/slide8.xml><?xml version="1.0" encoding="utf-8"?>
+<file path=ppt/slides/slide7.xml><?xml version="1.0" encoding="utf-8"?>
 <p:sld xmlns:a="http://schemas.openxmlformats.org/drawingml/2006/main" xmlns:r="http://schemas.openxmlformats.org/officeDocument/2006/relationships" xmlns:p="http://schemas.openxmlformats.org/presentationml/2006/main">
   <p:cSld>
     <p:spTree>
@@ -4233,7 +4172,7 @@
 </p:sld>
 </file>
 
-<file path=ppt/slides/slide9.xml><?xml version="1.0" encoding="utf-8"?>
+<file path=ppt/slides/slide8.xml><?xml version="1.0" encoding="utf-8"?>
 <p:sld xmlns:a="http://schemas.openxmlformats.org/drawingml/2006/main" xmlns:r="http://schemas.openxmlformats.org/officeDocument/2006/relationships" xmlns:p="http://schemas.openxmlformats.org/presentationml/2006/main">
   <p:cSld>
     <p:spTree>

--- a/Prezentacia.pptx
+++ b/Prezentacia.pptx
@@ -3991,10 +3991,10 @@
       </p:grpSpPr>
       <p:pic>
         <p:nvPicPr>
-          <p:cNvPr id="5" name="Obrázok 4" descr="Obrázok, na ktorom je snímka obrazovky&#10;&#10;Automaticky generovaný popis">
-            <a:extLst>
-              <a:ext uri="{FF2B5EF4-FFF2-40B4-BE49-F238E27FC236}">
-                <a16:creationId xmlns:a16="http://schemas.microsoft.com/office/drawing/2014/main" id="{9AFF4706-F359-4732-8365-C7186F9D94CD}"/>
+          <p:cNvPr id="3" name="Obrázok 2" descr="Obrázok, na ktorom je snímka obrazovky&#10;&#10;Automaticky generovaný popis">
+            <a:extLst>
+              <a:ext uri="{FF2B5EF4-FFF2-40B4-BE49-F238E27FC236}">
+                <a16:creationId xmlns:a16="http://schemas.microsoft.com/office/drawing/2014/main" id="{5FFD5DFE-7947-46EE-8AC7-C3552E8A8139}"/>
               </a:ext>
             </a:extLst>
           </p:cNvPr>
@@ -4017,8 +4017,8 @@
         </p:blipFill>
         <p:spPr>
           <a:xfrm>
-            <a:off x="3066807" y="0"/>
-            <a:ext cx="6007902" cy="6858000"/>
+            <a:off x="1249956" y="0"/>
+            <a:ext cx="9692088" cy="5381625"/>
           </a:xfrm>
           <a:prstGeom prst="rect">
             <a:avLst/>
